--- a/ppts/notes/ch_3b.pptx
+++ b/ppts/notes/ch_3b.pptx
@@ -5,7 +5,7 @@
     <p:sldMasterId id="2147483672" r:id="rId1"/>
   </p:sldMasterIdLst>
   <p:notesMasterIdLst>
-    <p:notesMasterId r:id="rId13"/>
+    <p:notesMasterId r:id="rId14"/>
   </p:notesMasterIdLst>
   <p:sldIdLst>
     <p:sldId id="256" r:id="rId2"/>
@@ -16,9 +16,10 @@
     <p:sldId id="261" r:id="rId7"/>
     <p:sldId id="262" r:id="rId8"/>
     <p:sldId id="263" r:id="rId9"/>
-    <p:sldId id="264" r:id="rId10"/>
-    <p:sldId id="265" r:id="rId11"/>
-    <p:sldId id="266" r:id="rId12"/>
+    <p:sldId id="267" r:id="rId10"/>
+    <p:sldId id="264" r:id="rId11"/>
+    <p:sldId id="265" r:id="rId12"/>
+    <p:sldId id="266" r:id="rId13"/>
   </p:sldIdLst>
   <p:sldSz cx="12192000" cy="6858000"/>
   <p:notesSz cx="6858000" cy="9144000"/>
@@ -218,7 +219,7 @@
           <a:p>
             <a:fld id="{3D5065DD-4A19-494A-919F-B9B40AB5032A}" type="datetimeFigureOut">
               <a:rPr lang="en-US" smtClean="0"/>
-              <a:t>8/17/17</a:t>
+              <a:t>9/6/17</a:t>
             </a:fld>
             <a:endParaRPr lang="en-US"/>
           </a:p>
@@ -513,12 +514,7 @@
             <p:ph type="sldImg"/>
           </p:nvPr>
         </p:nvSpPr>
-        <p:spPr>
-          <a:xfrm>
-            <a:off x="381000" y="685800"/>
-            <a:ext cx="6096000" cy="3429000"/>
-          </a:xfrm>
-        </p:spPr>
+        <p:spPr/>
       </p:sp>
       <p:sp>
         <p:nvSpPr>
@@ -535,7 +531,7 @@
           <a:bodyPr/>
           <a:lstStyle/>
           <a:p>
-            <a:pPr marL="0" marR="0" indent="0" algn="l" defTabSz="457200" rtl="0" eaLnBrk="1" fontAlgn="auto" latinLnBrk="0" hangingPunct="1">
+            <a:pPr marL="0" marR="0" lvl="2" indent="0" algn="l" defTabSz="457200" rtl="0" eaLnBrk="1" fontAlgn="auto" latinLnBrk="0" hangingPunct="1">
               <a:lnSpc>
                 <a:spcPct val="100000"/>
               </a:lnSpc>
@@ -554,19 +550,12 @@
             </a:pPr>
             <a:r>
               <a:rPr lang="en-US" dirty="0" smtClean="0"/>
-              <a:t>Certain</a:t>
-            </a:r>
-            <a:r>
-              <a:rPr lang="en-US" baseline="0" dirty="0" smtClean="0"/>
-              <a:t> religious </a:t>
+              <a:t>Legitimacy </a:t>
             </a:r>
             <a:r>
               <a:rPr lang="en-US" dirty="0" smtClean="0"/>
-              <a:t>organizations seek endorsements from celebrities</a:t>
-            </a:r>
-          </a:p>
-          <a:p>
-            <a:endParaRPr lang="en-US" dirty="0"/>
+              <a:t>amongst relevant actors such as the movement’s constituency, public, policymakers</a:t>
+            </a:r>
           </a:p>
         </p:txBody>
       </p:sp>
@@ -587,7 +576,7 @@
           <a:p>
             <a:fld id="{4C661713-0DFB-BE4E-91B4-F969A2F6F2AC}" type="slidenum">
               <a:rPr lang="en-US" smtClean="0"/>
-              <a:t>7</a:t>
+              <a:t>4</a:t>
             </a:fld>
             <a:endParaRPr lang="en-US"/>
           </a:p>
@@ -596,7 +585,7 @@
     </p:spTree>
     <p:extLst>
       <p:ext uri="{BB962C8B-B14F-4D97-AF65-F5344CB8AC3E}">
-        <p14:creationId xmlns:p14="http://schemas.microsoft.com/office/powerpoint/2010/main" val="1808814403"/>
+        <p14:creationId xmlns:p14="http://schemas.microsoft.com/office/powerpoint/2010/main" val="1568570943"/>
       </p:ext>
     </p:extLst>
   </p:cSld>
@@ -633,12 +622,7 @@
             <p:ph type="sldImg"/>
           </p:nvPr>
         </p:nvSpPr>
-        <p:spPr>
-          <a:xfrm>
-            <a:off x="381000" y="685800"/>
-            <a:ext cx="6096000" cy="3429000"/>
-          </a:xfrm>
-        </p:spPr>
+        <p:spPr/>
       </p:sp>
       <p:sp>
         <p:nvSpPr>
@@ -655,6 +639,29 @@
           <a:bodyPr/>
           <a:lstStyle/>
           <a:p>
+            <a:pPr marL="0" marR="0" lvl="2" indent="0" algn="l" defTabSz="457200" rtl="0" eaLnBrk="1" fontAlgn="auto" latinLnBrk="0" hangingPunct="1">
+              <a:lnSpc>
+                <a:spcPct val="100000"/>
+              </a:lnSpc>
+              <a:spcBef>
+                <a:spcPts val="0"/>
+              </a:spcBef>
+              <a:spcAft>
+                <a:spcPts val="0"/>
+              </a:spcAft>
+              <a:buClrTx/>
+              <a:buSzTx/>
+              <a:buFontTx/>
+              <a:buNone/>
+              <a:tabLst/>
+              <a:defRPr/>
+            </a:pPr>
+            <a:r>
+              <a:rPr lang="en-US" dirty="0" smtClean="0"/>
+              <a:t>Money can be used for various items, can be transferred to other contexts, and can be used to get other resources (hiring people, office space, equipment).</a:t>
+            </a:r>
+          </a:p>
+          <a:p>
             <a:endParaRPr lang="en-US" dirty="0"/>
           </a:p>
         </p:txBody>
@@ -676,7 +683,7 @@
           <a:p>
             <a:fld id="{4C661713-0DFB-BE4E-91B4-F969A2F6F2AC}" type="slidenum">
               <a:rPr lang="en-US" smtClean="0"/>
-              <a:t>8</a:t>
+              <a:t>5</a:t>
             </a:fld>
             <a:endParaRPr lang="en-US"/>
           </a:p>
@@ -685,7 +692,7 @@
     </p:spTree>
     <p:extLst>
       <p:ext uri="{BB962C8B-B14F-4D97-AF65-F5344CB8AC3E}">
-        <p14:creationId xmlns:p14="http://schemas.microsoft.com/office/powerpoint/2010/main" val="4279657537"/>
+        <p14:creationId xmlns:p14="http://schemas.microsoft.com/office/powerpoint/2010/main" val="994580047"/>
       </p:ext>
     </p:extLst>
   </p:cSld>
@@ -763,7 +770,15 @@
             </a:pPr>
             <a:r>
               <a:rPr lang="en-US" dirty="0" smtClean="0"/>
-              <a:t>Black community and institutional infrastructure in which it was embedded</a:t>
+              <a:t>Certain</a:t>
+            </a:r>
+            <a:r>
+              <a:rPr lang="en-US" baseline="0" dirty="0" smtClean="0"/>
+              <a:t> religious </a:t>
+            </a:r>
+            <a:r>
+              <a:rPr lang="en-US" dirty="0" smtClean="0"/>
+              <a:t>organizations seek endorsements from celebrities</a:t>
             </a:r>
           </a:p>
           <a:p>
@@ -788,7 +803,7 @@
           <a:p>
             <a:fld id="{4C661713-0DFB-BE4E-91B4-F969A2F6F2AC}" type="slidenum">
               <a:rPr lang="en-US" smtClean="0"/>
-              <a:t>10</a:t>
+              <a:t>7</a:t>
             </a:fld>
             <a:endParaRPr lang="en-US"/>
           </a:p>
@@ -797,7 +812,7 @@
     </p:spTree>
     <p:extLst>
       <p:ext uri="{BB962C8B-B14F-4D97-AF65-F5344CB8AC3E}">
-        <p14:creationId xmlns:p14="http://schemas.microsoft.com/office/powerpoint/2010/main" val="1966584323"/>
+        <p14:creationId xmlns:p14="http://schemas.microsoft.com/office/powerpoint/2010/main" val="1808814403"/>
       </p:ext>
     </p:extLst>
   </p:cSld>
@@ -856,14 +871,6 @@
           <a:bodyPr/>
           <a:lstStyle/>
           <a:p>
-            <a:r>
-              <a:rPr lang="en-US" dirty="0" smtClean="0"/>
-              <a:t>Funders could end up calling shots.</a:t>
-            </a:r>
-            <a:r>
-              <a:rPr lang="en-US" baseline="0" dirty="0" smtClean="0"/>
-              <a:t> Movement may maintain some autonomy if funder and movement align: if funder is radical and movement is radical</a:t>
-            </a:r>
             <a:endParaRPr lang="en-US" dirty="0"/>
           </a:p>
         </p:txBody>
@@ -885,7 +892,305 @@
           <a:p>
             <a:fld id="{4C661713-0DFB-BE4E-91B4-F969A2F6F2AC}" type="slidenum">
               <a:rPr lang="en-US" smtClean="0"/>
+              <a:t>8</a:t>
+            </a:fld>
+            <a:endParaRPr lang="en-US"/>
+          </a:p>
+        </p:txBody>
+      </p:sp>
+    </p:spTree>
+    <p:extLst>
+      <p:ext uri="{BB962C8B-B14F-4D97-AF65-F5344CB8AC3E}">
+        <p14:creationId xmlns:p14="http://schemas.microsoft.com/office/powerpoint/2010/main" val="4279657537"/>
+      </p:ext>
+    </p:extLst>
+  </p:cSld>
+  <p:clrMapOvr>
+    <a:masterClrMapping/>
+  </p:clrMapOvr>
+</p:notes>
+</file>
+
+<file path=ppt/notesSlides/notesSlide5.xml><?xml version="1.0" encoding="utf-8"?>
+<p:notes xmlns:a="http://schemas.openxmlformats.org/drawingml/2006/main" xmlns:r="http://schemas.openxmlformats.org/officeDocument/2006/relationships" xmlns:p="http://schemas.openxmlformats.org/presentationml/2006/main">
+  <p:cSld>
+    <p:spTree>
+      <p:nvGrpSpPr>
+        <p:cNvPr id="1" name=""/>
+        <p:cNvGrpSpPr/>
+        <p:nvPr/>
+      </p:nvGrpSpPr>
+      <p:grpSpPr>
+        <a:xfrm>
+          <a:off x="0" y="0"/>
+          <a:ext cx="0" cy="0"/>
+          <a:chOff x="0" y="0"/>
+          <a:chExt cx="0" cy="0"/>
+        </a:xfrm>
+      </p:grpSpPr>
+      <p:sp>
+        <p:nvSpPr>
+          <p:cNvPr id="2" name="Slide Image Placeholder 1"/>
+          <p:cNvSpPr>
+            <a:spLocks noGrp="1" noRot="1" noChangeAspect="1"/>
+          </p:cNvSpPr>
+          <p:nvPr>
+            <p:ph type="sldImg"/>
+          </p:nvPr>
+        </p:nvSpPr>
+        <p:spPr>
+          <a:xfrm>
+            <a:off x="381000" y="685800"/>
+            <a:ext cx="6096000" cy="3429000"/>
+          </a:xfrm>
+        </p:spPr>
+      </p:sp>
+      <p:sp>
+        <p:nvSpPr>
+          <p:cNvPr id="3" name="Notes Placeholder 2"/>
+          <p:cNvSpPr>
+            <a:spLocks noGrp="1"/>
+          </p:cNvSpPr>
+          <p:nvPr>
+            <p:ph type="body" idx="1"/>
+          </p:nvPr>
+        </p:nvSpPr>
+        <p:spPr/>
+        <p:txBody>
+          <a:bodyPr/>
+          <a:lstStyle/>
+          <a:p>
+            <a:endParaRPr lang="en-US" dirty="0"/>
+          </a:p>
+        </p:txBody>
+      </p:sp>
+      <p:sp>
+        <p:nvSpPr>
+          <p:cNvPr id="4" name="Slide Number Placeholder 3"/>
+          <p:cNvSpPr>
+            <a:spLocks noGrp="1"/>
+          </p:cNvSpPr>
+          <p:nvPr>
+            <p:ph type="sldNum" sz="quarter" idx="10"/>
+          </p:nvPr>
+        </p:nvSpPr>
+        <p:spPr/>
+        <p:txBody>
+          <a:bodyPr/>
+          <a:lstStyle/>
+          <a:p>
+            <a:fld id="{4C661713-0DFB-BE4E-91B4-F969A2F6F2AC}" type="slidenum">
+              <a:rPr lang="en-US" smtClean="0"/>
+              <a:t>9</a:t>
+            </a:fld>
+            <a:endParaRPr lang="en-US"/>
+          </a:p>
+        </p:txBody>
+      </p:sp>
+    </p:spTree>
+    <p:extLst>
+      <p:ext uri="{BB962C8B-B14F-4D97-AF65-F5344CB8AC3E}">
+        <p14:creationId xmlns:p14="http://schemas.microsoft.com/office/powerpoint/2010/main" val="2717949"/>
+      </p:ext>
+    </p:extLst>
+  </p:cSld>
+  <p:clrMapOvr>
+    <a:masterClrMapping/>
+  </p:clrMapOvr>
+</p:notes>
+</file>
+
+<file path=ppt/notesSlides/notesSlide6.xml><?xml version="1.0" encoding="utf-8"?>
+<p:notes xmlns:a="http://schemas.openxmlformats.org/drawingml/2006/main" xmlns:r="http://schemas.openxmlformats.org/officeDocument/2006/relationships" xmlns:p="http://schemas.openxmlformats.org/presentationml/2006/main">
+  <p:cSld>
+    <p:spTree>
+      <p:nvGrpSpPr>
+        <p:cNvPr id="1" name=""/>
+        <p:cNvGrpSpPr/>
+        <p:nvPr/>
+      </p:nvGrpSpPr>
+      <p:grpSpPr>
+        <a:xfrm>
+          <a:off x="0" y="0"/>
+          <a:ext cx="0" cy="0"/>
+          <a:chOff x="0" y="0"/>
+          <a:chExt cx="0" cy="0"/>
+        </a:xfrm>
+      </p:grpSpPr>
+      <p:sp>
+        <p:nvSpPr>
+          <p:cNvPr id="2" name="Slide Image Placeholder 1"/>
+          <p:cNvSpPr>
+            <a:spLocks noGrp="1" noRot="1" noChangeAspect="1"/>
+          </p:cNvSpPr>
+          <p:nvPr>
+            <p:ph type="sldImg"/>
+          </p:nvPr>
+        </p:nvSpPr>
+        <p:spPr>
+          <a:xfrm>
+            <a:off x="381000" y="685800"/>
+            <a:ext cx="6096000" cy="3429000"/>
+          </a:xfrm>
+        </p:spPr>
+      </p:sp>
+      <p:sp>
+        <p:nvSpPr>
+          <p:cNvPr id="3" name="Notes Placeholder 2"/>
+          <p:cNvSpPr>
+            <a:spLocks noGrp="1"/>
+          </p:cNvSpPr>
+          <p:nvPr>
+            <p:ph type="body" idx="1"/>
+          </p:nvPr>
+        </p:nvSpPr>
+        <p:spPr/>
+        <p:txBody>
+          <a:bodyPr/>
+          <a:lstStyle/>
+          <a:p>
+            <a:pPr marL="0" marR="0" indent="0" algn="l" defTabSz="457200" rtl="0" eaLnBrk="1" fontAlgn="auto" latinLnBrk="0" hangingPunct="1">
+              <a:lnSpc>
+                <a:spcPct val="100000"/>
+              </a:lnSpc>
+              <a:spcBef>
+                <a:spcPts val="0"/>
+              </a:spcBef>
+              <a:spcAft>
+                <a:spcPts val="0"/>
+              </a:spcAft>
+              <a:buClrTx/>
+              <a:buSzTx/>
+              <a:buFontTx/>
+              <a:buNone/>
+              <a:tabLst/>
+              <a:defRPr/>
+            </a:pPr>
+            <a:r>
+              <a:rPr lang="en-US" dirty="0" smtClean="0"/>
+              <a:t>Black community and institutional infrastructure in which it was embedded</a:t>
+            </a:r>
+          </a:p>
+          <a:p>
+            <a:endParaRPr lang="en-US" dirty="0"/>
+          </a:p>
+        </p:txBody>
+      </p:sp>
+      <p:sp>
+        <p:nvSpPr>
+          <p:cNvPr id="4" name="Slide Number Placeholder 3"/>
+          <p:cNvSpPr>
+            <a:spLocks noGrp="1"/>
+          </p:cNvSpPr>
+          <p:nvPr>
+            <p:ph type="sldNum" sz="quarter" idx="10"/>
+          </p:nvPr>
+        </p:nvSpPr>
+        <p:spPr/>
+        <p:txBody>
+          <a:bodyPr/>
+          <a:lstStyle/>
+          <a:p>
+            <a:fld id="{4C661713-0DFB-BE4E-91B4-F969A2F6F2AC}" type="slidenum">
+              <a:rPr lang="en-US" smtClean="0"/>
               <a:t>11</a:t>
+            </a:fld>
+            <a:endParaRPr lang="en-US"/>
+          </a:p>
+        </p:txBody>
+      </p:sp>
+    </p:spTree>
+    <p:extLst>
+      <p:ext uri="{BB962C8B-B14F-4D97-AF65-F5344CB8AC3E}">
+        <p14:creationId xmlns:p14="http://schemas.microsoft.com/office/powerpoint/2010/main" val="1966584323"/>
+      </p:ext>
+    </p:extLst>
+  </p:cSld>
+  <p:clrMapOvr>
+    <a:masterClrMapping/>
+  </p:clrMapOvr>
+</p:notes>
+</file>
+
+<file path=ppt/notesSlides/notesSlide7.xml><?xml version="1.0" encoding="utf-8"?>
+<p:notes xmlns:a="http://schemas.openxmlformats.org/drawingml/2006/main" xmlns:r="http://schemas.openxmlformats.org/officeDocument/2006/relationships" xmlns:p="http://schemas.openxmlformats.org/presentationml/2006/main">
+  <p:cSld>
+    <p:spTree>
+      <p:nvGrpSpPr>
+        <p:cNvPr id="1" name=""/>
+        <p:cNvGrpSpPr/>
+        <p:nvPr/>
+      </p:nvGrpSpPr>
+      <p:grpSpPr>
+        <a:xfrm>
+          <a:off x="0" y="0"/>
+          <a:ext cx="0" cy="0"/>
+          <a:chOff x="0" y="0"/>
+          <a:chExt cx="0" cy="0"/>
+        </a:xfrm>
+      </p:grpSpPr>
+      <p:sp>
+        <p:nvSpPr>
+          <p:cNvPr id="2" name="Slide Image Placeholder 1"/>
+          <p:cNvSpPr>
+            <a:spLocks noGrp="1" noRot="1" noChangeAspect="1"/>
+          </p:cNvSpPr>
+          <p:nvPr>
+            <p:ph type="sldImg"/>
+          </p:nvPr>
+        </p:nvSpPr>
+        <p:spPr>
+          <a:xfrm>
+            <a:off x="381000" y="685800"/>
+            <a:ext cx="6096000" cy="3429000"/>
+          </a:xfrm>
+        </p:spPr>
+      </p:sp>
+      <p:sp>
+        <p:nvSpPr>
+          <p:cNvPr id="3" name="Notes Placeholder 2"/>
+          <p:cNvSpPr>
+            <a:spLocks noGrp="1"/>
+          </p:cNvSpPr>
+          <p:nvPr>
+            <p:ph type="body" idx="1"/>
+          </p:nvPr>
+        </p:nvSpPr>
+        <p:spPr/>
+        <p:txBody>
+          <a:bodyPr/>
+          <a:lstStyle/>
+          <a:p>
+            <a:r>
+              <a:rPr lang="en-US" dirty="0" smtClean="0"/>
+              <a:t>Funders could end up calling shots.</a:t>
+            </a:r>
+            <a:r>
+              <a:rPr lang="en-US" baseline="0" dirty="0" smtClean="0"/>
+              <a:t> Movement may maintain some autonomy if funder and movement align: if funder is radical and movement is radical</a:t>
+            </a:r>
+            <a:endParaRPr lang="en-US" dirty="0"/>
+          </a:p>
+        </p:txBody>
+      </p:sp>
+      <p:sp>
+        <p:nvSpPr>
+          <p:cNvPr id="4" name="Slide Number Placeholder 3"/>
+          <p:cNvSpPr>
+            <a:spLocks noGrp="1"/>
+          </p:cNvSpPr>
+          <p:nvPr>
+            <p:ph type="sldNum" sz="quarter" idx="10"/>
+          </p:nvPr>
+        </p:nvSpPr>
+        <p:spPr/>
+        <p:txBody>
+          <a:bodyPr/>
+          <a:lstStyle/>
+          <a:p>
+            <a:fld id="{4C661713-0DFB-BE4E-91B4-F969A2F6F2AC}" type="slidenum">
+              <a:rPr lang="en-US" smtClean="0"/>
+              <a:t>12</a:t>
             </a:fld>
             <a:endParaRPr lang="en-US"/>
           </a:p>
@@ -1217,7 +1522,7 @@
           <a:p>
             <a:fld id="{D209C01E-D213-8644-9F4C-5E847F8EF5F9}" type="datetimeFigureOut">
               <a:rPr lang="en-US" smtClean="0"/>
-              <a:t>8/17/17</a:t>
+              <a:t>9/6/17</a:t>
             </a:fld>
             <a:endParaRPr lang="en-US"/>
           </a:p>
@@ -1383,7 +1688,7 @@
           <a:p>
             <a:fld id="{D209C01E-D213-8644-9F4C-5E847F8EF5F9}" type="datetimeFigureOut">
               <a:rPr lang="en-US" smtClean="0"/>
-              <a:t>8/17/17</a:t>
+              <a:t>9/6/17</a:t>
             </a:fld>
             <a:endParaRPr lang="en-US"/>
           </a:p>
@@ -1707,7 +2012,7 @@
           <a:p>
             <a:fld id="{D209C01E-D213-8644-9F4C-5E847F8EF5F9}" type="datetimeFigureOut">
               <a:rPr lang="en-US" smtClean="0"/>
-              <a:t>8/17/17</a:t>
+              <a:t>9/6/17</a:t>
             </a:fld>
             <a:endParaRPr lang="en-US"/>
           </a:p>
@@ -1923,7 +2228,7 @@
           <a:p>
             <a:fld id="{D209C01E-D213-8644-9F4C-5E847F8EF5F9}" type="datetimeFigureOut">
               <a:rPr lang="en-US" smtClean="0"/>
-              <a:t>8/17/17</a:t>
+              <a:t>9/6/17</a:t>
             </a:fld>
             <a:endParaRPr lang="en-US"/>
           </a:p>
@@ -2278,7 +2583,7 @@
           <a:p>
             <a:fld id="{D209C01E-D213-8644-9F4C-5E847F8EF5F9}" type="datetimeFigureOut">
               <a:rPr lang="en-US" smtClean="0"/>
-              <a:t>8/17/17</a:t>
+              <a:t>9/6/17</a:t>
             </a:fld>
             <a:endParaRPr lang="en-US"/>
           </a:p>
@@ -2570,7 +2875,7 @@
           <a:p>
             <a:fld id="{D209C01E-D213-8644-9F4C-5E847F8EF5F9}" type="datetimeFigureOut">
               <a:rPr lang="en-US" smtClean="0"/>
-              <a:t>8/17/17</a:t>
+              <a:t>9/6/17</a:t>
             </a:fld>
             <a:endParaRPr lang="en-US"/>
           </a:p>
@@ -2951,7 +3256,7 @@
           <a:p>
             <a:fld id="{D209C01E-D213-8644-9F4C-5E847F8EF5F9}" type="datetimeFigureOut">
               <a:rPr lang="en-US" smtClean="0"/>
-              <a:t>8/17/17</a:t>
+              <a:t>9/6/17</a:t>
             </a:fld>
             <a:endParaRPr lang="en-US"/>
           </a:p>
@@ -3049,7 +3354,7 @@
           <a:p>
             <a:fld id="{D209C01E-D213-8644-9F4C-5E847F8EF5F9}" type="datetimeFigureOut">
               <a:rPr lang="en-US" smtClean="0"/>
-              <a:t>8/17/17</a:t>
+              <a:t>9/6/17</a:t>
             </a:fld>
             <a:endParaRPr lang="en-US"/>
           </a:p>
@@ -3124,7 +3429,7 @@
           <a:p>
             <a:fld id="{D209C01E-D213-8644-9F4C-5E847F8EF5F9}" type="datetimeFigureOut">
               <a:rPr lang="en-US" smtClean="0"/>
-              <a:t>8/17/17</a:t>
+              <a:t>9/6/17</a:t>
             </a:fld>
             <a:endParaRPr lang="en-US"/>
           </a:p>
@@ -3367,7 +3672,7 @@
           <a:p>
             <a:fld id="{D209C01E-D213-8644-9F4C-5E847F8EF5F9}" type="datetimeFigureOut">
               <a:rPr lang="en-US" smtClean="0"/>
-              <a:t>8/17/17</a:t>
+              <a:t>9/6/17</a:t>
             </a:fld>
             <a:endParaRPr lang="en-US"/>
           </a:p>
@@ -3802,7 +4107,7 @@
           <a:p>
             <a:fld id="{D209C01E-D213-8644-9F4C-5E847F8EF5F9}" type="datetimeFigureOut">
               <a:rPr lang="en-US" smtClean="0"/>
-              <a:t>8/17/17</a:t>
+              <a:t>9/6/17</a:t>
             </a:fld>
             <a:endParaRPr lang="en-US"/>
           </a:p>
@@ -4022,7 +4327,7 @@
           <a:p>
             <a:fld id="{D209C01E-D213-8644-9F4C-5E847F8EF5F9}" type="datetimeFigureOut">
               <a:rPr lang="en-US" smtClean="0"/>
-              <a:t>8/17/17</a:t>
+              <a:t>9/6/17</a:t>
             </a:fld>
             <a:endParaRPr lang="en-US"/>
           </a:p>
@@ -4241,7 +4546,7 @@
     </p:spTree>
     <p:extLst>
       <p:ext uri="{BB962C8B-B14F-4D97-AF65-F5344CB8AC3E}">
-        <p14:creationId xmlns:p14="http://schemas.microsoft.com/office/powerpoint/2010/main" val="636630790"/>
+        <p14:creationId xmlns:p14="http://schemas.microsoft.com/office/powerpoint/2010/main" val="1073009805"/>
       </p:ext>
     </p:extLst>
   </p:cSld>
@@ -4814,6 +5119,130 @@
         </p:nvSpPr>
         <p:spPr/>
         <p:txBody>
+          <a:bodyPr>
+            <a:normAutofit/>
+          </a:bodyPr>
+          <a:lstStyle/>
+          <a:p>
+            <a:r>
+              <a:rPr lang="en-US" dirty="0" smtClean="0"/>
+              <a:t>Derivation Depends on Movement Type</a:t>
+            </a:r>
+            <a:endParaRPr lang="en-US" dirty="0"/>
+          </a:p>
+        </p:txBody>
+      </p:sp>
+      <p:sp>
+        <p:nvSpPr>
+          <p:cNvPr id="3" name="Content Placeholder 2"/>
+          <p:cNvSpPr>
+            <a:spLocks noGrp="1"/>
+          </p:cNvSpPr>
+          <p:nvPr>
+            <p:ph sz="quarter" idx="1"/>
+          </p:nvPr>
+        </p:nvSpPr>
+        <p:spPr/>
+        <p:txBody>
+          <a:bodyPr/>
+          <a:lstStyle/>
+          <a:p>
+            <a:r>
+              <a:rPr lang="en-US" dirty="0" smtClean="0"/>
+              <a:t>Homeless SMOs</a:t>
+            </a:r>
+          </a:p>
+          <a:p>
+            <a:pPr lvl="1"/>
+            <a:r>
+              <a:rPr lang="en-US" dirty="0" smtClean="0"/>
+              <a:t>More external since impoverished</a:t>
+            </a:r>
+          </a:p>
+          <a:p>
+            <a:endParaRPr lang="en-US" dirty="0" smtClean="0"/>
+          </a:p>
+          <a:p>
+            <a:r>
+              <a:rPr lang="en-US" dirty="0" smtClean="0"/>
+              <a:t>Other </a:t>
+            </a:r>
+            <a:r>
+              <a:rPr lang="en-US" dirty="0" smtClean="0"/>
+              <a:t>SMOs</a:t>
+            </a:r>
+          </a:p>
+          <a:p>
+            <a:pPr lvl="1"/>
+            <a:r>
+              <a:rPr lang="en-US" dirty="0" smtClean="0"/>
+              <a:t>Less external/more indigenous, more mixed</a:t>
+            </a:r>
+            <a:endParaRPr lang="en-US" dirty="0"/>
+          </a:p>
+        </p:txBody>
+      </p:sp>
+    </p:spTree>
+    <p:extLst>
+      <p:ext uri="{BB962C8B-B14F-4D97-AF65-F5344CB8AC3E}">
+        <p14:creationId xmlns:p14="http://schemas.microsoft.com/office/powerpoint/2010/main" val="2453486103"/>
+      </p:ext>
+    </p:extLst>
+  </p:cSld>
+  <p:clrMapOvr>
+    <a:masterClrMapping/>
+  </p:clrMapOvr>
+  <mc:AlternateContent xmlns:mc="http://schemas.openxmlformats.org/markup-compatibility/2006" xmlns:p14="http://schemas.microsoft.com/office/powerpoint/2010/main">
+    <mc:Choice Requires="p14">
+      <p:transition spd="med" p14:dur="700">
+        <p:fade/>
+      </p:transition>
+    </mc:Choice>
+    <mc:Fallback xmlns="">
+      <p:transition xmlns:p14="http://schemas.microsoft.com/office/powerpoint/2010/main" spd="med">
+        <p:fade/>
+      </p:transition>
+    </mc:Fallback>
+  </mc:AlternateContent>
+  <p:timing>
+    <p:tnLst>
+      <p:par>
+        <p:cTn id="1" dur="indefinite" restart="never" nodeType="tmRoot"/>
+      </p:par>
+    </p:tnLst>
+  </p:timing>
+</p:sld>
+</file>
+
+<file path=ppt/slides/slide11.xml><?xml version="1.0" encoding="utf-8"?>
+<p:sld xmlns:a="http://schemas.openxmlformats.org/drawingml/2006/main" xmlns:r="http://schemas.openxmlformats.org/officeDocument/2006/relationships" xmlns:p="http://schemas.openxmlformats.org/presentationml/2006/main">
+  <p:cSld>
+    <p:spTree>
+      <p:nvGrpSpPr>
+        <p:cNvPr id="1" name=""/>
+        <p:cNvGrpSpPr/>
+        <p:nvPr/>
+      </p:nvGrpSpPr>
+      <p:grpSpPr>
+        <a:xfrm>
+          <a:off x="0" y="0"/>
+          <a:ext cx="0" cy="0"/>
+          <a:chOff x="0" y="0"/>
+          <a:chExt cx="0" cy="0"/>
+        </a:xfrm>
+      </p:grpSpPr>
+      <p:sp>
+        <p:nvSpPr>
+          <p:cNvPr id="2" name="Title 1"/>
+          <p:cNvSpPr>
+            <a:spLocks noGrp="1"/>
+          </p:cNvSpPr>
+          <p:nvPr>
+            <p:ph type="title"/>
+          </p:nvPr>
+        </p:nvSpPr>
+        <p:spPr/>
+        <p:txBody>
           <a:bodyPr/>
           <a:lstStyle/>
           <a:p>
@@ -4917,7 +5346,7 @@
 </p:sld>
 </file>
 
-<file path=ppt/slides/slide11.xml><?xml version="1.0" encoding="utf-8"?>
+<file path=ppt/slides/slide12.xml><?xml version="1.0" encoding="utf-8"?>
 <p:sld xmlns:a="http://schemas.openxmlformats.org/drawingml/2006/main" xmlns:r="http://schemas.openxmlformats.org/officeDocument/2006/relationships" xmlns:p="http://schemas.openxmlformats.org/presentationml/2006/main">
   <p:cSld>
     <p:spTree>
@@ -5106,14 +5535,30 @@
           <a:p>
             <a:r>
               <a:rPr lang="en-US" dirty="0" smtClean="0"/>
-              <a:t>Social movement emergence, activity, and persistence depend on resources</a:t>
+              <a:t>Social </a:t>
+            </a:r>
+            <a:r>
+              <a:rPr lang="en-US" dirty="0" smtClean="0"/>
+              <a:t>movements depend </a:t>
+            </a:r>
+            <a:r>
+              <a:rPr lang="en-US" dirty="0" smtClean="0"/>
+              <a:t>on resources</a:t>
             </a:r>
           </a:p>
           <a:p>
             <a:pPr lvl="1"/>
             <a:r>
+              <a:rPr lang="en-US" dirty="0"/>
+              <a:t>E</a:t>
+            </a:r>
+            <a:r>
               <a:rPr lang="en-US" dirty="0" smtClean="0"/>
-              <a:t>availability, accumulation, and channeling towards mobilization</a:t>
+              <a:t>mergence</a:t>
+            </a:r>
+            <a:r>
+              <a:rPr lang="en-US" dirty="0"/>
+              <a:t>, activity, and persistence</a:t>
             </a:r>
             <a:endParaRPr lang="en-US" dirty="0"/>
           </a:p>
@@ -5221,9 +5666,16 @@
             </a:r>
           </a:p>
           <a:p>
+            <a:endParaRPr lang="en-US" dirty="0" smtClean="0"/>
+          </a:p>
+          <a:p>
             <a:r>
               <a:rPr lang="en-US" dirty="0" smtClean="0"/>
-              <a:t>Where/Who?</a:t>
+              <a:t>Where/Who</a:t>
+            </a:r>
+            <a:r>
+              <a:rPr lang="en-US" dirty="0" smtClean="0"/>
+              <a:t>?</a:t>
             </a:r>
           </a:p>
           <a:p>
@@ -5234,16 +5686,18 @@
             </a:r>
           </a:p>
           <a:p>
+            <a:pPr lvl="2"/>
             <a:r>
               <a:rPr lang="en-US" dirty="0" smtClean="0"/>
-              <a:t>Strings attached?</a:t>
-            </a:r>
-          </a:p>
-          <a:p>
-            <a:pPr lvl="1"/>
+              <a:t>Strings </a:t>
+            </a:r>
             <a:r>
               <a:rPr lang="en-US" dirty="0" smtClean="0"/>
-              <a:t>Does the source of the resource affect movement goals and activities?</a:t>
+              <a:t>attached?: Does </a:t>
+            </a:r>
+            <a:r>
+              <a:rPr lang="en-US" dirty="0" smtClean="0"/>
+              <a:t>the source of the resource affect movement goals and activities?</a:t>
             </a:r>
             <a:endParaRPr lang="en-US" dirty="0"/>
           </a:p>
@@ -5372,7 +5826,11 @@
             <a:pPr lvl="2"/>
             <a:r>
               <a:rPr lang="en-US" dirty="0" smtClean="0"/>
-              <a:t>legitimacy (amongst relevant actors such as the movement’s constituency or the public)</a:t>
+              <a:t>L</a:t>
+            </a:r>
+            <a:r>
+              <a:rPr lang="en-US" dirty="0" smtClean="0"/>
+              <a:t>egitimacy</a:t>
             </a:r>
             <a:endParaRPr lang="en-US" dirty="0"/>
           </a:p>
@@ -5481,22 +5939,46 @@
           <a:p>
             <a:pPr lvl="1"/>
             <a:r>
+              <a:rPr lang="en-US" dirty="0"/>
+              <a:t>U</a:t>
+            </a:r>
+            <a:r>
               <a:rPr lang="en-US" dirty="0" smtClean="0"/>
-              <a:t>Portability/usability in another context or convertibility into other resources</a:t>
+              <a:t>sability </a:t>
+            </a:r>
+            <a:r>
+              <a:rPr lang="en-US" dirty="0" smtClean="0"/>
+              <a:t>in </a:t>
+            </a:r>
+            <a:r>
+              <a:rPr lang="en-US" dirty="0" smtClean="0"/>
+              <a:t>other contexts </a:t>
+            </a:r>
+            <a:r>
+              <a:rPr lang="en-US" dirty="0" smtClean="0"/>
+              <a:t>or convertibility into other resources</a:t>
             </a:r>
           </a:p>
           <a:p>
             <a:pPr lvl="2"/>
             <a:r>
               <a:rPr lang="en-US" dirty="0" smtClean="0"/>
-              <a:t>Money is highly fungible since it can be used for various items, can be transferred to other contexts, and can be used to get other resources (hiring people, office space, equipment).</a:t>
+              <a:t>Money is highly </a:t>
+            </a:r>
+            <a:r>
+              <a:rPr lang="en-US" dirty="0" smtClean="0"/>
+              <a:t>fungible</a:t>
             </a:r>
           </a:p>
           <a:p>
             <a:pPr lvl="2"/>
             <a:r>
               <a:rPr lang="en-US" dirty="0" smtClean="0"/>
-              <a:t>Legitimacy is not fungible</a:t>
+              <a:t>Legitimacy </a:t>
+            </a:r>
+            <a:r>
+              <a:rPr lang="en-US" dirty="0" smtClean="0"/>
+              <a:t>is not fungible</a:t>
             </a:r>
           </a:p>
           <a:p>
@@ -8961,7 +9443,7 @@
           <a:p>
             <a:r>
               <a:rPr lang="en-US" dirty="0" smtClean="0"/>
-              <a:t>Resource Derivation</a:t>
+              <a:t>So you want to build a movement?</a:t>
             </a:r>
             <a:endParaRPr lang="en-US" dirty="0"/>
           </a:p>
@@ -8986,58 +9468,28 @@
           <a:p>
             <a:r>
               <a:rPr lang="en-US" dirty="0" smtClean="0"/>
-              <a:t>Resources vary by sources:</a:t>
-            </a:r>
-          </a:p>
-          <a:p>
-            <a:pPr lvl="1"/>
+              <a:t>What are your ideal resources? Which 3-5 would you choose and why?</a:t>
+            </a:r>
+            <a:endParaRPr lang="en-US" dirty="0"/>
+          </a:p>
+          <a:p>
+            <a:endParaRPr lang="en-US" dirty="0"/>
+          </a:p>
+          <a:p>
             <a:r>
               <a:rPr lang="en-US" dirty="0" smtClean="0"/>
-              <a:t>Externally</a:t>
-            </a:r>
-          </a:p>
-          <a:p>
-            <a:pPr lvl="2"/>
+              <a:t>How would you use those resources?</a:t>
+            </a:r>
+          </a:p>
+          <a:p>
+            <a:endParaRPr lang="en-US" dirty="0"/>
+          </a:p>
+          <a:p>
             <a:r>
               <a:rPr lang="en-US" dirty="0" smtClean="0"/>
-              <a:t>Conscious (non-movement) constituents</a:t>
-            </a:r>
-          </a:p>
-          <a:p>
-            <a:pPr lvl="2"/>
-            <a:r>
-              <a:rPr lang="en-US" dirty="0" smtClean="0"/>
-              <a:t>Individuals, groups, or organizations who support movement activity without benefitting directly from the movement’s goal attainment</a:t>
-            </a:r>
-          </a:p>
-          <a:p>
-            <a:pPr lvl="1"/>
-            <a:r>
-              <a:rPr lang="en-US" dirty="0" smtClean="0"/>
-              <a:t>Internally</a:t>
-            </a:r>
-          </a:p>
-          <a:p>
-            <a:pPr lvl="2"/>
-            <a:r>
-              <a:rPr lang="en-US" dirty="0" smtClean="0"/>
-              <a:t>Indigenous (movement) constituents</a:t>
-            </a:r>
-          </a:p>
-          <a:p>
-            <a:pPr lvl="2"/>
-            <a:r>
-              <a:rPr lang="en-US" dirty="0" smtClean="0"/>
-              <a:t>Movement members who could benefit from goal attainment</a:t>
-            </a:r>
-          </a:p>
-          <a:p>
-            <a:pPr lvl="1"/>
-            <a:r>
-              <a:rPr lang="en-US" dirty="0" smtClean="0"/>
-              <a:t>Both</a:t>
-            </a:r>
-            <a:endParaRPr lang="en-US" dirty="0"/>
+              <a:t>How would you generate those resources?</a:t>
+            </a:r>
+            <a:endParaRPr lang="en-US" dirty="0" smtClean="0"/>
           </a:p>
         </p:txBody>
       </p:sp>
@@ -9102,14 +9554,16 @@
         </p:nvSpPr>
         <p:spPr/>
         <p:txBody>
-          <a:bodyPr>
-            <a:normAutofit/>
-          </a:bodyPr>
+          <a:bodyPr/>
           <a:lstStyle/>
           <a:p>
             <a:r>
               <a:rPr lang="en-US" dirty="0" smtClean="0"/>
-              <a:t>Derivation Depends on Movement Type</a:t>
+              <a:t>Resource </a:t>
+            </a:r>
+            <a:r>
+              <a:rPr lang="en-US" dirty="0" smtClean="0"/>
+              <a:t>Derivation</a:t>
             </a:r>
             <a:endParaRPr lang="en-US" dirty="0"/>
           </a:p>
@@ -9127,32 +9581,88 @@
         </p:nvSpPr>
         <p:spPr/>
         <p:txBody>
-          <a:bodyPr/>
+          <a:bodyPr>
+            <a:normAutofit/>
+          </a:bodyPr>
           <a:lstStyle/>
           <a:p>
             <a:r>
               <a:rPr lang="en-US" dirty="0" smtClean="0"/>
-              <a:t>Homeless SMOs</a:t>
-            </a:r>
+              <a:t>Resources vary by </a:t>
+            </a:r>
+            <a:r>
+              <a:rPr lang="en-US" dirty="0" smtClean="0"/>
+              <a:t>source:</a:t>
+            </a:r>
+            <a:endParaRPr lang="en-US" dirty="0" smtClean="0"/>
           </a:p>
           <a:p>
             <a:pPr lvl="1"/>
             <a:r>
               <a:rPr lang="en-US" dirty="0" smtClean="0"/>
-              <a:t>More external since impoverished</a:t>
-            </a:r>
-          </a:p>
-          <a:p>
+              <a:t>External</a:t>
+            </a:r>
+            <a:endParaRPr lang="en-US" dirty="0" smtClean="0"/>
+          </a:p>
+          <a:p>
+            <a:pPr lvl="2"/>
             <a:r>
               <a:rPr lang="en-US" dirty="0" smtClean="0"/>
-              <a:t>Other SMOs</a:t>
+              <a:t>Conscious </a:t>
+            </a:r>
+            <a:r>
+              <a:rPr lang="en-US" dirty="0" smtClean="0"/>
+              <a:t>non-movement constituents</a:t>
+            </a:r>
+            <a:endParaRPr lang="en-US" dirty="0" smtClean="0"/>
+          </a:p>
+          <a:p>
+            <a:pPr lvl="3"/>
+            <a:r>
+              <a:rPr lang="en-US" dirty="0" smtClean="0"/>
+              <a:t>Individuals, groups, or organizations who support movement activity without benefitting directly from the movement’s goal attainment</a:t>
             </a:r>
           </a:p>
           <a:p>
             <a:pPr lvl="1"/>
+            <a:endParaRPr lang="en-US" dirty="0" smtClean="0"/>
+          </a:p>
+          <a:p>
+            <a:pPr lvl="1"/>
             <a:r>
               <a:rPr lang="en-US" dirty="0" smtClean="0"/>
-              <a:t>Less external/more indigenous, more mixed</a:t>
+              <a:t>Internal</a:t>
+            </a:r>
+            <a:endParaRPr lang="en-US" dirty="0" smtClean="0"/>
+          </a:p>
+          <a:p>
+            <a:pPr lvl="2"/>
+            <a:r>
+              <a:rPr lang="en-US" dirty="0" smtClean="0"/>
+              <a:t>Indigenous </a:t>
+            </a:r>
+            <a:r>
+              <a:rPr lang="en-US" dirty="0" smtClean="0"/>
+              <a:t>movement constituents</a:t>
+            </a:r>
+            <a:endParaRPr lang="en-US" dirty="0" smtClean="0"/>
+          </a:p>
+          <a:p>
+            <a:pPr lvl="3"/>
+            <a:r>
+              <a:rPr lang="en-US" dirty="0" smtClean="0"/>
+              <a:t>Movement members who could benefit from goal attainment</a:t>
+            </a:r>
+          </a:p>
+          <a:p>
+            <a:pPr lvl="1"/>
+            <a:endParaRPr lang="en-US" dirty="0" smtClean="0"/>
+          </a:p>
+          <a:p>
+            <a:pPr lvl="1"/>
+            <a:r>
+              <a:rPr lang="en-US" dirty="0" smtClean="0"/>
+              <a:t>Both</a:t>
             </a:r>
             <a:endParaRPr lang="en-US" dirty="0"/>
           </a:p>
@@ -9161,7 +9671,7 @@
     </p:spTree>
     <p:extLst>
       <p:ext uri="{BB962C8B-B14F-4D97-AF65-F5344CB8AC3E}">
-        <p14:creationId xmlns:p14="http://schemas.microsoft.com/office/powerpoint/2010/main" val="2453486103"/>
+        <p14:creationId xmlns:p14="http://schemas.microsoft.com/office/powerpoint/2010/main" val="921755801"/>
       </p:ext>
     </p:extLst>
   </p:cSld>
